--- a/ansible.pptx
+++ b/ansible.pptx
@@ -113,6 +113,11 @@
       </a:defRPr>
     </a:lvl9pPr>
   </p:defaultTextStyle>
+  <p:extLst>
+    <p:ext uri="{EFAFB233-063F-42B5-8137-9DF3F51BA10A}">
+      <p15:sldGuideLst xmlns:p15="http://schemas.microsoft.com/office/powerpoint/2012/main"/>
+    </p:ext>
+  </p:extLst>
 </p:presentation>
 </file>
 
@@ -3102,7 +3107,7 @@
         </p:blipFill>
         <p:spPr>
           <a:xfrm>
-            <a:off x="2768600" y="2813844"/>
+            <a:off x="3219450" y="2813844"/>
             <a:ext cx="5753100" cy="2374900"/>
           </a:xfrm>
           <a:prstGeom prst="rect">
@@ -3681,7 +3686,23 @@
             </a:r>
             <a:r>
               <a:rPr lang="en-US" dirty="0" smtClean="0"/>
-              <a:t> module</a:t>
+              <a:t> </a:t>
+            </a:r>
+            <a:r>
+              <a:rPr lang="en-US" dirty="0" smtClean="0"/>
+              <a:t>module</a:t>
+            </a:r>
+          </a:p>
+          <a:p>
+            <a:r>
+              <a:rPr lang="en-US" dirty="0" smtClean="0"/>
+              <a:t>Can be defined inline within a playbook</a:t>
+            </a:r>
+          </a:p>
+          <a:p>
+            <a:r>
+              <a:rPr lang="en-US" dirty="0" smtClean="0"/>
+              <a:t>Can also be part of an include file</a:t>
             </a:r>
             <a:endParaRPr lang="en-US" dirty="0"/>
           </a:p>
@@ -3764,8 +3785,10 @@
           <a:p>
             <a:r>
               <a:rPr lang="en-US" dirty="0" smtClean="0"/>
-              <a:t>Auto triggers</a:t>
-            </a:r>
+              <a:t>Handlers can be defined and triggered</a:t>
+            </a:r>
+          </a:p>
+          <a:p>
             <a:endParaRPr lang="en-US" dirty="0"/>
           </a:p>
         </p:txBody>
@@ -3954,17 +3977,46 @@
               <a:t>A large archive of community created Roles for </a:t>
             </a:r>
             <a:r>
-              <a:rPr lang="en-US" dirty="0" err="1"/>
-              <a:t>A</a:t>
-            </a:r>
-            <a:r>
               <a:rPr lang="en-US" dirty="0" err="1" smtClean="0"/>
-              <a:t>nsible</a:t>
-            </a:r>
-            <a:endParaRPr lang="en-US" dirty="0"/>
-          </a:p>
-        </p:txBody>
-      </p:sp>
+              <a:t>Ansible</a:t>
+            </a:r>
+            <a:endParaRPr lang="en-US" dirty="0" smtClean="0"/>
+          </a:p>
+          <a:p>
+            <a:endParaRPr lang="en-US" dirty="0"/>
+          </a:p>
+        </p:txBody>
+      </p:sp>
+      <p:pic>
+        <p:nvPicPr>
+          <p:cNvPr id="4" name="Picture 3"/>
+          <p:cNvPicPr>
+            <a:picLocks noChangeAspect="1"/>
+          </p:cNvPicPr>
+          <p:nvPr/>
+        </p:nvPicPr>
+        <p:blipFill>
+          <a:blip r:embed="rId2">
+            <a:extLst>
+              <a:ext uri="{28A0092B-C50C-407E-A947-70E740481C1C}">
+                <a14:useLocalDpi xmlns:a14="http://schemas.microsoft.com/office/drawing/2010/main" val="0"/>
+              </a:ext>
+            </a:extLst>
+          </a:blip>
+          <a:stretch>
+            <a:fillRect/>
+          </a:stretch>
+        </p:blipFill>
+        <p:spPr>
+          <a:xfrm>
+            <a:off x="1066800" y="2718993"/>
+            <a:ext cx="10058400" cy="3322503"/>
+          </a:xfrm>
+          <a:prstGeom prst="rect">
+            <a:avLst/>
+          </a:prstGeom>
+        </p:spPr>
+      </p:pic>
     </p:spTree>
     <p:extLst>
       <p:ext uri="{BB962C8B-B14F-4D97-AF65-F5344CB8AC3E}">

--- a/ansible.pptx
+++ b/ansible.pptx
@@ -15,6 +15,7 @@
     <p:sldId id="262" r:id="rId9"/>
     <p:sldId id="265" r:id="rId10"/>
     <p:sldId id="264" r:id="rId11"/>
+    <p:sldId id="266" r:id="rId12"/>
   </p:sldIdLst>
   <p:sldSz cx="12192000" cy="6858000"/>
   <p:notesSz cx="6858000" cy="9144000"/>
@@ -115,10 +116,16 @@
   </p:defaultTextStyle>
   <p:extLst>
     <p:ext uri="{EFAFB233-063F-42B5-8137-9DF3F51BA10A}">
-      <p15:sldGuideLst xmlns:p15="http://schemas.microsoft.com/office/powerpoint/2012/main"/>
+      <p15:sldGuideLst xmlns:p15="http://schemas.microsoft.com/office/powerpoint/2012/main" xmlns=""/>
     </p:ext>
   </p:extLst>
 </p:presentation>
+</file>
+
+<file path=ppt/commentAuthors.xml><?xml version="1.0" encoding="utf-8"?>
+<p:cmAuthorLst xmlns:a="http://schemas.openxmlformats.org/drawingml/2006/main" xmlns:r="http://schemas.openxmlformats.org/officeDocument/2006/relationships" xmlns:p="http://schemas.openxmlformats.org/presentationml/2006/main">
+  <p:cmAuthor id="0" name="Burton,Lisa Ann     GLARC" initials="LAB" lastIdx="0" clrIdx="0"/>
+</p:cmAuthorLst>
 </file>
 
 <file path=ppt/slideLayouts/slideLayout1.xml><?xml version="1.0" encoding="utf-8"?>
@@ -252,7 +259,7 @@
           <a:p>
             <a:fld id="{DDA51639-B2D6-4652-B8C3-1B4C224A7BAF}" type="datetimeFigureOut">
               <a:rPr lang="en-US" smtClean="0"/>
-              <a:t>4/10/17</a:t>
+              <a:t>4/12/2017</a:t>
             </a:fld>
             <a:endParaRPr lang="en-US" dirty="0"/>
           </a:p>
@@ -306,9 +313,9 @@
   <p:clrMapOvr>
     <a:masterClrMapping/>
   </p:clrMapOvr>
-  <p:extLst>
+  <p:extLst mod="1">
     <p:ext uri="{DCECCB84-F9BA-43D5-87BE-67443E8EF086}">
-      <p15:sldGuideLst xmlns:p15="http://schemas.microsoft.com/office/powerpoint/2012/main"/>
+      <p15:sldGuideLst xmlns:p15="http://schemas.microsoft.com/office/powerpoint/2012/main" xmlns=""/>
     </p:ext>
   </p:extLst>
 </p:sldLayout>
@@ -423,7 +430,7 @@
           <a:p>
             <a:fld id="{D11A6AA8-A04B-4104-9AE2-BD48D340E27F}" type="datetimeFigureOut">
               <a:rPr lang="en-US" smtClean="0"/>
-              <a:t>4/10/17</a:t>
+              <a:t>4/12/2017</a:t>
             </a:fld>
             <a:endParaRPr lang="en-US" dirty="0"/>
           </a:p>
@@ -598,7 +605,7 @@
           <a:p>
             <a:fld id="{B4E0BF79-FAC6-4A96-8DE1-F7B82E2E1652}" type="datetimeFigureOut">
               <a:rPr lang="en-US" smtClean="0"/>
-              <a:t>4/10/17</a:t>
+              <a:t>4/12/2017</a:t>
             </a:fld>
             <a:endParaRPr lang="en-US" dirty="0"/>
           </a:p>
@@ -651,9 +658,9 @@
   <p:clrMapOvr>
     <a:masterClrMapping/>
   </p:clrMapOvr>
-  <p:extLst>
+  <p:extLst mod="1">
     <p:ext uri="{DCECCB84-F9BA-43D5-87BE-67443E8EF086}">
-      <p15:sldGuideLst xmlns:p15="http://schemas.microsoft.com/office/powerpoint/2012/main"/>
+      <p15:sldGuideLst xmlns:p15="http://schemas.microsoft.com/office/powerpoint/2012/main" xmlns=""/>
     </p:ext>
   </p:extLst>
 </p:sldLayout>
@@ -768,7 +775,7 @@
           <a:p>
             <a:fld id="{82FF5DD9-2C52-442D-92E2-8072C0C3D7CD}" type="datetimeFigureOut">
               <a:rPr lang="en-US" smtClean="0"/>
-              <a:t>4/10/17</a:t>
+              <a:t>4/12/2017</a:t>
             </a:fld>
             <a:endParaRPr lang="en-US" dirty="0"/>
           </a:p>
@@ -1010,7 +1017,7 @@
           <a:p>
             <a:fld id="{C44961B7-6B89-48AB-966F-622E2788EECC}" type="datetimeFigureOut">
               <a:rPr lang="en-US" smtClean="0"/>
-              <a:t>4/10/17</a:t>
+              <a:t>4/12/2017</a:t>
             </a:fld>
             <a:endParaRPr lang="en-US" dirty="0"/>
           </a:p>
@@ -1063,9 +1070,9 @@
   <p:clrMapOvr>
     <a:masterClrMapping/>
   </p:clrMapOvr>
-  <p:extLst>
+  <p:extLst mod="1">
     <p:ext uri="{DCECCB84-F9BA-43D5-87BE-67443E8EF086}">
-      <p15:sldGuideLst xmlns:p15="http://schemas.microsoft.com/office/powerpoint/2012/main"/>
+      <p15:sldGuideLst xmlns:p15="http://schemas.microsoft.com/office/powerpoint/2012/main" xmlns=""/>
     </p:ext>
   </p:extLst>
 </p:sldLayout>
@@ -1242,7 +1249,7 @@
           <a:p>
             <a:fld id="{DBD3D6FB-79CC-4683-A046-BBE785BA1BED}" type="datetimeFigureOut">
               <a:rPr lang="en-US" smtClean="0"/>
-              <a:t>4/10/17</a:t>
+              <a:t>4/12/2017</a:t>
             </a:fld>
             <a:endParaRPr lang="en-US" dirty="0"/>
           </a:p>
@@ -1295,9 +1302,9 @@
   <p:clrMapOvr>
     <a:masterClrMapping/>
   </p:clrMapOvr>
-  <p:extLst>
+  <p:extLst mod="1">
     <p:ext uri="{DCECCB84-F9BA-43D5-87BE-67443E8EF086}">
-      <p15:sldGuideLst xmlns:p15="http://schemas.microsoft.com/office/powerpoint/2012/main"/>
+      <p15:sldGuideLst xmlns:p15="http://schemas.microsoft.com/office/powerpoint/2012/main" xmlns=""/>
     </p:ext>
   </p:extLst>
 </p:sldLayout>
@@ -1609,7 +1616,7 @@
           <a:p>
             <a:fld id="{9512B3E8-48F1-4B23-8498-D8A04A81EC9C}" type="datetimeFigureOut">
               <a:rPr lang="en-US" smtClean="0"/>
-              <a:t>4/10/17</a:t>
+              <a:t>4/12/2017</a:t>
             </a:fld>
             <a:endParaRPr lang="en-US" dirty="0"/>
           </a:p>
@@ -1662,9 +1669,9 @@
   <p:clrMapOvr>
     <a:masterClrMapping/>
   </p:clrMapOvr>
-  <p:extLst>
+  <p:extLst mod="1">
     <p:ext uri="{DCECCB84-F9BA-43D5-87BE-67443E8EF086}">
-      <p15:sldGuideLst xmlns:p15="http://schemas.microsoft.com/office/powerpoint/2012/main"/>
+      <p15:sldGuideLst xmlns:p15="http://schemas.microsoft.com/office/powerpoint/2012/main" xmlns=""/>
     </p:ext>
   </p:extLst>
 </p:sldLayout>
@@ -1727,7 +1734,7 @@
           <a:p>
             <a:fld id="{10B90D90-AA62-404D-A741-635B4370F9CB}" type="datetimeFigureOut">
               <a:rPr lang="en-US" smtClean="0"/>
-              <a:t>4/10/17</a:t>
+              <a:t>4/12/2017</a:t>
             </a:fld>
             <a:endParaRPr lang="en-US" dirty="0"/>
           </a:p>
@@ -1817,7 +1824,7 @@
           <a:p>
             <a:fld id="{A57002E4-6836-46D1-9DBB-3C27C0DD3A89}" type="datetimeFigureOut">
               <a:rPr lang="en-US" smtClean="0"/>
-              <a:t>4/10/17</a:t>
+              <a:t>4/12/2017</a:t>
             </a:fld>
             <a:endParaRPr lang="en-US" dirty="0"/>
           </a:p>
@@ -1870,9 +1877,9 @@
   <p:clrMapOvr>
     <a:masterClrMapping/>
   </p:clrMapOvr>
-  <p:extLst>
+  <p:extLst mod="1">
     <p:ext uri="{DCECCB84-F9BA-43D5-87BE-67443E8EF086}">
-      <p15:sldGuideLst xmlns:p15="http://schemas.microsoft.com/office/powerpoint/2012/main"/>
+      <p15:sldGuideLst xmlns:p15="http://schemas.microsoft.com/office/powerpoint/2012/main" xmlns=""/>
     </p:ext>
   </p:extLst>
 </p:sldLayout>
@@ -2094,7 +2101,7 @@
           <a:p>
             <a:fld id="{1CF131DD-A141-4471-BCF9-C6073EDD7E20}" type="datetimeFigureOut">
               <a:rPr lang="en-US" smtClean="0"/>
-              <a:t>4/10/17</a:t>
+              <a:t>4/12/2017</a:t>
             </a:fld>
             <a:endParaRPr lang="en-US" dirty="0"/>
           </a:p>
@@ -2148,9 +2155,9 @@
   <p:clrMapOvr>
     <a:masterClrMapping/>
   </p:clrMapOvr>
-  <p:extLst>
+  <p:extLst mod="1">
     <p:ext uri="{DCECCB84-F9BA-43D5-87BE-67443E8EF086}">
-      <p15:sldGuideLst xmlns:p15="http://schemas.microsoft.com/office/powerpoint/2012/main"/>
+      <p15:sldGuideLst xmlns:p15="http://schemas.microsoft.com/office/powerpoint/2012/main" xmlns=""/>
     </p:ext>
   </p:extLst>
 </p:sldLayout>
@@ -2348,7 +2355,7 @@
           <a:p>
             <a:fld id="{AB334A90-EB03-42F3-8859-2C2B2724C058}" type="datetimeFigureOut">
               <a:rPr lang="en-US" smtClean="0"/>
-              <a:t>4/10/17</a:t>
+              <a:t>4/12/2017</a:t>
             </a:fld>
             <a:endParaRPr lang="en-US" dirty="0"/>
           </a:p>
@@ -2409,9 +2416,18 @@
 <p:sldMaster xmlns:a="http://schemas.openxmlformats.org/drawingml/2006/main" xmlns:r="http://schemas.openxmlformats.org/officeDocument/2006/relationships" xmlns:p="http://schemas.openxmlformats.org/presentationml/2006/main">
   <p:cSld>
     <p:bg>
-      <p:bgRef idx="1001">
-        <a:schemeClr val="bg1"/>
-      </p:bgRef>
+      <p:bgPr>
+        <a:blipFill dpi="0" rotWithShape="1">
+          <a:blip r:embed="rId13">
+            <a:lum/>
+          </a:blip>
+          <a:srcRect/>
+          <a:stretch>
+            <a:fillRect t="-6000" b="-6000"/>
+          </a:stretch>
+        </a:blipFill>
+        <a:effectLst/>
+      </p:bgPr>
     </p:bg>
     <p:spTree>
       <p:nvGrpSpPr>
@@ -2557,7 +2573,7 @@
           <a:p>
             <a:fld id="{CBC48EC7-AF6A-48D3-8284-14BACBEBDD84}" type="datetimeFigureOut">
               <a:rPr lang="en-US" smtClean="0"/>
-              <a:t>4/10/17</a:t>
+              <a:t>4/12/2017</a:t>
             </a:fld>
             <a:endParaRPr lang="en-US" dirty="0"/>
           </a:p>
@@ -2944,9 +2960,9 @@
       </a:lvl9pPr>
     </p:otherStyle>
   </p:txStyles>
-  <p:extLst>
+  <p:extLst mod="1">
     <p:ext uri="{27BBF7A9-308A-43DC-89C8-2F10F3537804}">
-      <p15:sldGuideLst xmlns:p15="http://schemas.microsoft.com/office/powerpoint/2012/main"/>
+      <p15:sldGuideLst xmlns:p15="http://schemas.microsoft.com/office/powerpoint/2012/main" xmlns=""/>
     </p:ext>
   </p:extLst>
 </p:sldMaster>
@@ -2991,7 +3007,7 @@
         </p:blipFill>
         <p:spPr>
           <a:xfrm>
-            <a:off x="4668326" y="1390275"/>
+            <a:off x="4699000" y="1945977"/>
             <a:ext cx="2794000" cy="3441700"/>
           </a:xfrm>
           <a:prstGeom prst="rect">
@@ -3078,6 +3094,12 @@
               <a:rPr lang="en-US" dirty="0" smtClean="0"/>
               <a:t>Infrastructure management tool</a:t>
             </a:r>
+          </a:p>
+          <a:p>
+            <a:r>
+              <a:rPr lang="en-US" dirty="0" smtClean="0"/>
+              <a:t>Useful to separate infrastructure management from provisioning</a:t>
+            </a:r>
             <a:endParaRPr lang="en-US" dirty="0"/>
           </a:p>
           <a:p>
@@ -3107,7 +3129,7 @@
         </p:blipFill>
         <p:spPr>
           <a:xfrm>
-            <a:off x="3219450" y="2813844"/>
+            <a:off x="3031671" y="3429000"/>
             <a:ext cx="5753100" cy="2374900"/>
           </a:xfrm>
           <a:prstGeom prst="rect">
@@ -3135,6 +3157,101 @@
 </p:sld>
 </file>
 
+<file path=ppt/slides/slide11.xml><?xml version="1.0" encoding="utf-8"?>
+<p:sld xmlns:a="http://schemas.openxmlformats.org/drawingml/2006/main" xmlns:r="http://schemas.openxmlformats.org/officeDocument/2006/relationships" xmlns:p="http://schemas.openxmlformats.org/presentationml/2006/main">
+  <p:cSld>
+    <p:spTree>
+      <p:nvGrpSpPr>
+        <p:cNvPr id="1" name=""/>
+        <p:cNvGrpSpPr/>
+        <p:nvPr/>
+      </p:nvGrpSpPr>
+      <p:grpSpPr>
+        <a:xfrm>
+          <a:off x="0" y="0"/>
+          <a:ext cx="0" cy="0"/>
+          <a:chOff x="0" y="0"/>
+          <a:chExt cx="0" cy="0"/>
+        </a:xfrm>
+      </p:grpSpPr>
+      <p:sp>
+        <p:nvSpPr>
+          <p:cNvPr id="2" name="Title 1"/>
+          <p:cNvSpPr>
+            <a:spLocks noGrp="1"/>
+          </p:cNvSpPr>
+          <p:nvPr>
+            <p:ph type="title"/>
+          </p:nvPr>
+        </p:nvSpPr>
+        <p:spPr/>
+        <p:txBody>
+          <a:bodyPr/>
+          <a:lstStyle/>
+          <a:p>
+            <a:r>
+              <a:rPr lang="en-GB" dirty="0" smtClean="0"/>
+              <a:t>Other topics</a:t>
+            </a:r>
+            <a:endParaRPr lang="en-GB" dirty="0"/>
+          </a:p>
+        </p:txBody>
+      </p:sp>
+      <p:sp>
+        <p:nvSpPr>
+          <p:cNvPr id="3" name="Content Placeholder 2"/>
+          <p:cNvSpPr>
+            <a:spLocks noGrp="1"/>
+          </p:cNvSpPr>
+          <p:nvPr>
+            <p:ph idx="1"/>
+          </p:nvPr>
+        </p:nvSpPr>
+        <p:spPr/>
+        <p:txBody>
+          <a:bodyPr/>
+          <a:lstStyle/>
+          <a:p>
+            <a:r>
+              <a:rPr lang="en-GB" dirty="0" err="1" smtClean="0"/>
+              <a:t>ansible</a:t>
+            </a:r>
+            <a:r>
+              <a:rPr lang="en-GB" dirty="0" smtClean="0"/>
+              <a:t>-pull</a:t>
+            </a:r>
+          </a:p>
+          <a:p>
+            <a:r>
+              <a:rPr lang="en-GB" dirty="0" err="1" smtClean="0"/>
+              <a:t>Ansible</a:t>
+            </a:r>
+            <a:r>
+              <a:rPr lang="en-GB" dirty="0" smtClean="0"/>
+              <a:t> tower</a:t>
+            </a:r>
+          </a:p>
+          <a:p>
+            <a:endParaRPr lang="en-GB" dirty="0" smtClean="0"/>
+          </a:p>
+          <a:p>
+            <a:endParaRPr lang="en-GB" dirty="0"/>
+          </a:p>
+        </p:txBody>
+      </p:sp>
+    </p:spTree>
+    <p:extLst>
+      <p:ext uri="{BB962C8B-B14F-4D97-AF65-F5344CB8AC3E}">
+        <p14:creationId xmlns:p14="http://schemas.microsoft.com/office/powerpoint/2010/main" val="3312825405"/>
+      </p:ext>
+    </p:extLst>
+  </p:cSld>
+  <p:clrMapOvr>
+    <a:masterClrMapping/>
+  </p:clrMapOvr>
+</p:sld>
+</file>
+
 <file path=ppt/slides/slide2.xml><?xml version="1.0" encoding="utf-8"?>
 <p:sld xmlns:a="http://schemas.openxmlformats.org/drawingml/2006/main" xmlns:r="http://schemas.openxmlformats.org/officeDocument/2006/relationships" xmlns:p="http://schemas.openxmlformats.org/presentationml/2006/main">
   <p:cSld>
@@ -3204,7 +3321,7 @@
             </a:r>
             <a:r>
               <a:rPr lang="en-US" b="1" dirty="0" smtClean="0"/>
-              <a:t>provisioning </a:t>
+              <a:t>provisioning* </a:t>
             </a:r>
             <a:r>
               <a:rPr lang="en-US" dirty="0" smtClean="0"/>
@@ -3241,6 +3358,10 @@
             </a:r>
           </a:p>
           <a:p>
+            <a:pPr lvl="2"/>
+            <a:endParaRPr lang="en-US" dirty="0" smtClean="0"/>
+          </a:p>
+          <a:p>
             <a:pPr lvl="1"/>
             <a:endParaRPr lang="en-US" dirty="0"/>
           </a:p>
@@ -3255,6 +3376,44 @@
           </a:p>
           <a:p>
             <a:endParaRPr lang="en-US" dirty="0"/>
+          </a:p>
+        </p:txBody>
+      </p:sp>
+      <p:sp>
+        <p:nvSpPr>
+          <p:cNvPr id="4" name="TextBox 3"/>
+          <p:cNvSpPr txBox="1"/>
+          <p:nvPr/>
+        </p:nvSpPr>
+        <p:spPr>
+          <a:xfrm>
+            <a:off x="2124880" y="6057900"/>
+            <a:ext cx="7942239" cy="369332"/>
+          </a:xfrm>
+          <a:prstGeom prst="rect">
+            <a:avLst/>
+          </a:prstGeom>
+          <a:noFill/>
+        </p:spPr>
+        <p:txBody>
+          <a:bodyPr wrap="none" rtlCol="0">
+            <a:spAutoFit/>
+          </a:bodyPr>
+          <a:lstStyle/>
+          <a:p>
+            <a:r>
+              <a:rPr lang="en-GB" dirty="0" smtClean="0"/>
+              <a:t>* Red Hat prefer to call </a:t>
+            </a:r>
+            <a:r>
+              <a:rPr lang="en-GB" dirty="0" err="1" smtClean="0"/>
+              <a:t>Ansbile</a:t>
+            </a:r>
+            <a:r>
+              <a:rPr lang="en-GB" dirty="0" smtClean="0"/>
+              <a:t> a “automation engine” and “automation language”</a:t>
+            </a:r>
+            <a:endParaRPr lang="en-GB" dirty="0"/>
           </a:p>
         </p:txBody>
       </p:sp>
@@ -3347,7 +3506,7 @@
           <a:p>
             <a:r>
               <a:rPr lang="en-US" dirty="0" smtClean="0"/>
-              <a:t>You can create</a:t>
+              <a:t>Basic building blocks:</a:t>
             </a:r>
           </a:p>
           <a:p>
@@ -3361,7 +3520,7 @@
             <a:pPr lvl="1"/>
             <a:r>
               <a:rPr lang="en-US" dirty="0" smtClean="0"/>
-              <a:t>Custom Modules</a:t>
+              <a:t>Modules</a:t>
             </a:r>
           </a:p>
           <a:p>
@@ -3549,58 +3708,189 @@
           <a:p>
             <a:r>
               <a:rPr lang="en-US" dirty="0" smtClean="0"/>
-              <a:t>Over 1000 modules shipped with modules</a:t>
-            </a:r>
+              <a:t>Over 1000 modules ship with </a:t>
+            </a:r>
+            <a:r>
+              <a:rPr lang="en-US" dirty="0" err="1" smtClean="0"/>
+              <a:t>Ansible</a:t>
+            </a:r>
+            <a:endParaRPr lang="en-US" dirty="0" smtClean="0"/>
           </a:p>
           <a:p>
             <a:r>
               <a:rPr lang="en-US" dirty="0" smtClean="0"/>
-              <a:t>Example, ’apt’ (</a:t>
+              <a:t>Examples: ’apt’, ‘</a:t>
             </a:r>
             <a:r>
               <a:rPr lang="en-US" dirty="0" err="1" smtClean="0"/>
-              <a:t>Debian</a:t>
+              <a:t>win_unzip</a:t>
             </a:r>
             <a:r>
               <a:rPr lang="en-US" dirty="0" smtClean="0"/>
-              <a:t> package manager)</a:t>
-            </a:r>
-          </a:p>
-          <a:p>
-            <a:endParaRPr lang="en-US" dirty="0"/>
-          </a:p>
-        </p:txBody>
-      </p:sp>
-      <p:pic>
-        <p:nvPicPr>
-          <p:cNvPr id="4" name="Picture 3"/>
-          <p:cNvPicPr>
-            <a:picLocks noChangeAspect="1"/>
-          </p:cNvPicPr>
+              <a:t>’, ‘shell’, ‘</a:t>
+            </a:r>
+            <a:r>
+              <a:rPr lang="en-US" dirty="0" err="1" smtClean="0"/>
+              <a:t>jira</a:t>
+            </a:r>
+            <a:r>
+              <a:rPr lang="en-US" dirty="0" smtClean="0"/>
+              <a:t>’, ‘</a:t>
+            </a:r>
+            <a:r>
+              <a:rPr lang="en-US" dirty="0" err="1" smtClean="0"/>
+              <a:t>iptables</a:t>
+            </a:r>
+            <a:r>
+              <a:rPr lang="en-US" dirty="0" smtClean="0"/>
+              <a:t>’ </a:t>
+            </a:r>
+            <a:r>
+              <a:rPr lang="en-US" dirty="0" err="1" smtClean="0"/>
+              <a:t>etc</a:t>
+            </a:r>
+            <a:endParaRPr lang="en-US" dirty="0"/>
+          </a:p>
+        </p:txBody>
+      </p:sp>
+      <p:sp>
+        <p:nvSpPr>
+          <p:cNvPr id="5" name="TextBox 4"/>
+          <p:cNvSpPr txBox="1"/>
           <p:nvPr/>
-        </p:nvPicPr>
-        <p:blipFill>
-          <a:blip r:embed="rId2">
-            <a:extLst>
-              <a:ext uri="{28A0092B-C50C-407E-A947-70E740481C1C}">
-                <a14:useLocalDpi xmlns:a14="http://schemas.microsoft.com/office/drawing/2010/main" val="0"/>
-              </a:ext>
-            </a:extLst>
-          </a:blip>
-          <a:stretch>
-            <a:fillRect/>
-          </a:stretch>
-        </p:blipFill>
+        </p:nvSpPr>
         <p:spPr>
           <a:xfrm>
-            <a:off x="1117600" y="3103033"/>
-            <a:ext cx="8582014" cy="2006849"/>
+            <a:off x="595996" y="3429009"/>
+            <a:ext cx="11005457" cy="1077218"/>
           </a:xfrm>
           <a:prstGeom prst="rect">
             <a:avLst/>
           </a:prstGeom>
+          <a:solidFill>
+            <a:schemeClr val="tx1">
+              <a:lumMod val="85000"/>
+              <a:lumOff val="15000"/>
+            </a:schemeClr>
+          </a:solidFill>
+          <a:ln>
+            <a:solidFill>
+              <a:schemeClr val="tx1"/>
+            </a:solidFill>
+          </a:ln>
         </p:spPr>
-      </p:pic>
+        <p:txBody>
+          <a:bodyPr wrap="square" rtlCol="0">
+            <a:spAutoFit/>
+          </a:bodyPr>
+          <a:lstStyle/>
+          <a:p>
+            <a:r>
+              <a:rPr lang="en-GB" sz="1600" dirty="0">
+                <a:solidFill>
+                  <a:srgbClr val="66FF33"/>
+                </a:solidFill>
+                <a:latin typeface="Courier New" panose="02070309020205020404" pitchFamily="49" charset="0"/>
+                <a:cs typeface="Courier New" panose="02070309020205020404" pitchFamily="49" charset="0"/>
+              </a:rPr>
+              <a:t> </a:t>
+            </a:r>
+            <a:r>
+              <a:rPr lang="en-GB" sz="1600" dirty="0" smtClean="0">
+                <a:solidFill>
+                  <a:srgbClr val="66FF33"/>
+                </a:solidFill>
+                <a:latin typeface="Courier New" panose="02070309020205020404" pitchFamily="49" charset="0"/>
+                <a:cs typeface="Courier New" panose="02070309020205020404" pitchFamily="49" charset="0"/>
+              </a:rPr>
+              <a:t> </a:t>
+            </a:r>
+            <a:r>
+              <a:rPr lang="en-GB" sz="1600" dirty="0" smtClean="0">
+                <a:solidFill>
+                  <a:srgbClr val="2BF543"/>
+                </a:solidFill>
+                <a:latin typeface="Courier New" panose="02070309020205020404" pitchFamily="49" charset="0"/>
+                <a:cs typeface="Courier New" panose="02070309020205020404" pitchFamily="49" charset="0"/>
+              </a:rPr>
+              <a:t>- name: Install version ‘1.00’ of package “foo”</a:t>
+            </a:r>
+          </a:p>
+          <a:p>
+            <a:r>
+              <a:rPr lang="en-GB" sz="1600" dirty="0">
+                <a:solidFill>
+                  <a:srgbClr val="2BF543"/>
+                </a:solidFill>
+                <a:latin typeface="Courier New" panose="02070309020205020404" pitchFamily="49" charset="0"/>
+                <a:cs typeface="Courier New" panose="02070309020205020404" pitchFamily="49" charset="0"/>
+              </a:rPr>
+              <a:t> </a:t>
+            </a:r>
+            <a:r>
+              <a:rPr lang="en-GB" sz="1600" dirty="0" smtClean="0">
+                <a:solidFill>
+                  <a:srgbClr val="2BF543"/>
+                </a:solidFill>
+                <a:latin typeface="Courier New" panose="02070309020205020404" pitchFamily="49" charset="0"/>
+                <a:cs typeface="Courier New" panose="02070309020205020404" pitchFamily="49" charset="0"/>
+              </a:rPr>
+              <a:t>   apt:</a:t>
+            </a:r>
+          </a:p>
+          <a:p>
+            <a:r>
+              <a:rPr lang="en-GB" sz="1600" dirty="0">
+                <a:solidFill>
+                  <a:srgbClr val="2BF543"/>
+                </a:solidFill>
+                <a:latin typeface="Courier New" panose="02070309020205020404" pitchFamily="49" charset="0"/>
+                <a:cs typeface="Courier New" panose="02070309020205020404" pitchFamily="49" charset="0"/>
+              </a:rPr>
+              <a:t> </a:t>
+            </a:r>
+            <a:r>
+              <a:rPr lang="en-GB" sz="1600" dirty="0" smtClean="0">
+                <a:solidFill>
+                  <a:srgbClr val="2BF543"/>
+                </a:solidFill>
+                <a:latin typeface="Courier New" panose="02070309020205020404" pitchFamily="49" charset="0"/>
+                <a:cs typeface="Courier New" panose="02070309020205020404" pitchFamily="49" charset="0"/>
+              </a:rPr>
+              <a:t>     name: foo=1.00</a:t>
+            </a:r>
+          </a:p>
+          <a:p>
+            <a:r>
+              <a:rPr lang="en-GB" sz="1600" dirty="0">
+                <a:solidFill>
+                  <a:srgbClr val="2BF543"/>
+                </a:solidFill>
+                <a:latin typeface="Courier New" panose="02070309020205020404" pitchFamily="49" charset="0"/>
+                <a:cs typeface="Courier New" panose="02070309020205020404" pitchFamily="49" charset="0"/>
+              </a:rPr>
+              <a:t> </a:t>
+            </a:r>
+            <a:r>
+              <a:rPr lang="en-GB" sz="1600" dirty="0" smtClean="0">
+                <a:solidFill>
+                  <a:srgbClr val="2BF543"/>
+                </a:solidFill>
+                <a:latin typeface="Courier New" panose="02070309020205020404" pitchFamily="49" charset="0"/>
+                <a:cs typeface="Courier New" panose="02070309020205020404" pitchFamily="49" charset="0"/>
+              </a:rPr>
+              <a:t>     state: present</a:t>
+            </a:r>
+            <a:endParaRPr lang="en-GB" sz="1600" dirty="0">
+              <a:solidFill>
+                <a:srgbClr val="2BF543"/>
+              </a:solidFill>
+              <a:latin typeface="Courier New" panose="02070309020205020404" pitchFamily="49" charset="0"/>
+              <a:cs typeface="Courier New" panose="02070309020205020404" pitchFamily="49" charset="0"/>
+            </a:endParaRPr>
+          </a:p>
+        </p:txBody>
+      </p:sp>
     </p:spTree>
     <p:extLst>
       <p:ext uri="{BB962C8B-B14F-4D97-AF65-F5344CB8AC3E}">
@@ -3686,11 +3976,7 @@
             </a:r>
             <a:r>
               <a:rPr lang="en-US" dirty="0" smtClean="0"/>
-              <a:t> </a:t>
-            </a:r>
-            <a:r>
-              <a:rPr lang="en-US" dirty="0" smtClean="0"/>
-              <a:t>module</a:t>
+              <a:t> module</a:t>
             </a:r>
           </a:p>
           <a:p>
@@ -3785,7 +4071,25 @@
           <a:p>
             <a:r>
               <a:rPr lang="en-US" dirty="0" smtClean="0"/>
-              <a:t>Handlers can be defined and triggered</a:t>
+              <a:t>Handlers are triggered by ‘notifications’</a:t>
+            </a:r>
+          </a:p>
+          <a:p>
+            <a:r>
+              <a:rPr lang="en-US" dirty="0" smtClean="0"/>
+              <a:t>Example: Restart a service</a:t>
+            </a:r>
+          </a:p>
+          <a:p>
+            <a:r>
+              <a:rPr lang="en-US" dirty="0" smtClean="0"/>
+              <a:t>Only triggered at the end of a task block</a:t>
+            </a:r>
+          </a:p>
+          <a:p>
+            <a:r>
+              <a:rPr lang="en-US" dirty="0" smtClean="0"/>
+              <a:t>Will only run once for multiple notifications in the same task block</a:t>
             </a:r>
           </a:p>
           <a:p>
@@ -3889,10 +4193,70 @@
               <a:rPr lang="en-US" dirty="0" err="1" smtClean="0"/>
               <a:t>etc</a:t>
             </a:r>
-            <a:endParaRPr lang="en-US" dirty="0"/>
-          </a:p>
-        </p:txBody>
-      </p:sp>
+            <a:endParaRPr lang="en-US" dirty="0" smtClean="0"/>
+          </a:p>
+          <a:p>
+            <a:pPr marL="457200" lvl="1" indent="0">
+              <a:buNone/>
+            </a:pPr>
+            <a:endParaRPr lang="en-US" dirty="0" smtClean="0"/>
+          </a:p>
+        </p:txBody>
+      </p:sp>
+      <p:pic>
+        <p:nvPicPr>
+          <p:cNvPr id="2050" name="Picture 2"/>
+          <p:cNvPicPr>
+            <a:picLocks noChangeAspect="1" noChangeArrowheads="1"/>
+          </p:cNvPicPr>
+          <p:nvPr/>
+        </p:nvPicPr>
+        <p:blipFill>
+          <a:blip r:embed="rId2">
+            <a:extLst>
+              <a:ext uri="{28A0092B-C50C-407E-A947-70E740481C1C}">
+                <a14:useLocalDpi xmlns:a14="http://schemas.microsoft.com/office/drawing/2010/main" val="0"/>
+              </a:ext>
+            </a:extLst>
+          </a:blip>
+          <a:srcRect/>
+          <a:stretch>
+            <a:fillRect/>
+          </a:stretch>
+        </p:blipFill>
+        <p:spPr bwMode="auto">
+          <a:xfrm>
+            <a:off x="789216" y="3429000"/>
+            <a:ext cx="10610850" cy="2562225"/>
+          </a:xfrm>
+          <a:prstGeom prst="rect">
+            <a:avLst/>
+          </a:prstGeom>
+          <a:noFill/>
+          <a:ln>
+            <a:noFill/>
+          </a:ln>
+          <a:extLst>
+            <a:ext uri="{909E8E84-426E-40DD-AFC4-6F175D3DCCD1}">
+              <a14:hiddenFill xmlns:a14="http://schemas.microsoft.com/office/drawing/2010/main">
+                <a:solidFill>
+                  <a:schemeClr val="accent1"/>
+                </a:solidFill>
+              </a14:hiddenFill>
+            </a:ext>
+            <a:ext uri="{91240B29-F687-4F45-9708-019B960494DF}">
+              <a14:hiddenLine xmlns:a14="http://schemas.microsoft.com/office/drawing/2010/main" w="9525">
+                <a:solidFill>
+                  <a:schemeClr val="tx1"/>
+                </a:solidFill>
+                <a:miter lim="800000"/>
+                <a:headEnd/>
+                <a:tailEnd/>
+              </a14:hiddenLine>
+            </a:ext>
+          </a:extLst>
+        </p:spPr>
+      </p:pic>
     </p:spTree>
     <p:extLst>
       <p:ext uri="{BB962C8B-B14F-4D97-AF65-F5344CB8AC3E}">
@@ -4009,7 +4373,7 @@
         </p:blipFill>
         <p:spPr>
           <a:xfrm>
-            <a:off x="1066800" y="2718993"/>
+            <a:off x="1066803" y="3074888"/>
             <a:ext cx="10058400" cy="3322503"/>
           </a:xfrm>
           <a:prstGeom prst="rect">
@@ -4292,7 +4656,7 @@
   <a:extraClrSchemeLst/>
   <a:extLst>
     <a:ext uri="{05A4C25C-085E-4340-85A3-A5531E510DB2}">
-      <thm15:themeFamily xmlns:thm15="http://schemas.microsoft.com/office/thememl/2012/main" name="Office Theme" id="{62F939B6-93AF-4DB8-9C6B-D6C7DFDC589F}" vid="{4A3C46E8-61CC-4603-A589-7422A47A8E4A}"/>
+      <thm15:themeFamily xmlns:thm15="http://schemas.microsoft.com/office/thememl/2012/main" xmlns="" name="Office Theme" id="{62F939B6-93AF-4DB8-9C6B-D6C7DFDC589F}" vid="{4A3C46E8-61CC-4603-A589-7422A47A8E4A}"/>
     </a:ext>
   </a:extLst>
 </a:theme>

--- a/ansible.pptx
+++ b/ansible.pptx
@@ -116,7 +116,18 @@
   </p:defaultTextStyle>
   <p:extLst>
     <p:ext uri="{EFAFB233-063F-42B5-8137-9DF3F51BA10A}">
-      <p15:sldGuideLst xmlns:p15="http://schemas.microsoft.com/office/powerpoint/2012/main" xmlns=""/>
+      <p15:sldGuideLst xmlns:p15="http://schemas.microsoft.com/office/powerpoint/2012/main">
+        <p15:guide id="1" orient="horz" pos="2160">
+          <p15:clr>
+            <a:srgbClr val="A4A3A4"/>
+          </p15:clr>
+        </p15:guide>
+        <p15:guide id="2" pos="3840">
+          <p15:clr>
+            <a:srgbClr val="A4A3A4"/>
+          </p15:clr>
+        </p15:guide>
+      </p15:sldGuideLst>
     </p:ext>
   </p:extLst>
 </p:presentation>
@@ -259,7 +270,7 @@
           <a:p>
             <a:fld id="{DDA51639-B2D6-4652-B8C3-1B4C224A7BAF}" type="datetimeFigureOut">
               <a:rPr lang="en-US" smtClean="0"/>
-              <a:t>4/12/2017</a:t>
+              <a:t>4/12/17</a:t>
             </a:fld>
             <a:endParaRPr lang="en-US" dirty="0"/>
           </a:p>
@@ -315,7 +326,7 @@
   </p:clrMapOvr>
   <p:extLst mod="1">
     <p:ext uri="{DCECCB84-F9BA-43D5-87BE-67443E8EF086}">
-      <p15:sldGuideLst xmlns:p15="http://schemas.microsoft.com/office/powerpoint/2012/main" xmlns=""/>
+      <p15:sldGuideLst xmlns:p15="http://schemas.microsoft.com/office/powerpoint/2012/main"/>
     </p:ext>
   </p:extLst>
 </p:sldLayout>
@@ -430,7 +441,7 @@
           <a:p>
             <a:fld id="{D11A6AA8-A04B-4104-9AE2-BD48D340E27F}" type="datetimeFigureOut">
               <a:rPr lang="en-US" smtClean="0"/>
-              <a:t>4/12/2017</a:t>
+              <a:t>4/12/17</a:t>
             </a:fld>
             <a:endParaRPr lang="en-US" dirty="0"/>
           </a:p>
@@ -605,7 +616,7 @@
           <a:p>
             <a:fld id="{B4E0BF79-FAC6-4A96-8DE1-F7B82E2E1652}" type="datetimeFigureOut">
               <a:rPr lang="en-US" smtClean="0"/>
-              <a:t>4/12/2017</a:t>
+              <a:t>4/12/17</a:t>
             </a:fld>
             <a:endParaRPr lang="en-US" dirty="0"/>
           </a:p>
@@ -660,7 +671,7 @@
   </p:clrMapOvr>
   <p:extLst mod="1">
     <p:ext uri="{DCECCB84-F9BA-43D5-87BE-67443E8EF086}">
-      <p15:sldGuideLst xmlns:p15="http://schemas.microsoft.com/office/powerpoint/2012/main" xmlns=""/>
+      <p15:sldGuideLst xmlns:p15="http://schemas.microsoft.com/office/powerpoint/2012/main"/>
     </p:ext>
   </p:extLst>
 </p:sldLayout>
@@ -775,7 +786,7 @@
           <a:p>
             <a:fld id="{82FF5DD9-2C52-442D-92E2-8072C0C3D7CD}" type="datetimeFigureOut">
               <a:rPr lang="en-US" smtClean="0"/>
-              <a:t>4/12/2017</a:t>
+              <a:t>4/12/17</a:t>
             </a:fld>
             <a:endParaRPr lang="en-US" dirty="0"/>
           </a:p>
@@ -1017,7 +1028,7 @@
           <a:p>
             <a:fld id="{C44961B7-6B89-48AB-966F-622E2788EECC}" type="datetimeFigureOut">
               <a:rPr lang="en-US" smtClean="0"/>
-              <a:t>4/12/2017</a:t>
+              <a:t>4/12/17</a:t>
             </a:fld>
             <a:endParaRPr lang="en-US" dirty="0"/>
           </a:p>
@@ -1072,7 +1083,7 @@
   </p:clrMapOvr>
   <p:extLst mod="1">
     <p:ext uri="{DCECCB84-F9BA-43D5-87BE-67443E8EF086}">
-      <p15:sldGuideLst xmlns:p15="http://schemas.microsoft.com/office/powerpoint/2012/main" xmlns=""/>
+      <p15:sldGuideLst xmlns:p15="http://schemas.microsoft.com/office/powerpoint/2012/main"/>
     </p:ext>
   </p:extLst>
 </p:sldLayout>
@@ -1249,7 +1260,7 @@
           <a:p>
             <a:fld id="{DBD3D6FB-79CC-4683-A046-BBE785BA1BED}" type="datetimeFigureOut">
               <a:rPr lang="en-US" smtClean="0"/>
-              <a:t>4/12/2017</a:t>
+              <a:t>4/12/17</a:t>
             </a:fld>
             <a:endParaRPr lang="en-US" dirty="0"/>
           </a:p>
@@ -1304,7 +1315,7 @@
   </p:clrMapOvr>
   <p:extLst mod="1">
     <p:ext uri="{DCECCB84-F9BA-43D5-87BE-67443E8EF086}">
-      <p15:sldGuideLst xmlns:p15="http://schemas.microsoft.com/office/powerpoint/2012/main" xmlns=""/>
+      <p15:sldGuideLst xmlns:p15="http://schemas.microsoft.com/office/powerpoint/2012/main"/>
     </p:ext>
   </p:extLst>
 </p:sldLayout>
@@ -1616,7 +1627,7 @@
           <a:p>
             <a:fld id="{9512B3E8-48F1-4B23-8498-D8A04A81EC9C}" type="datetimeFigureOut">
               <a:rPr lang="en-US" smtClean="0"/>
-              <a:t>4/12/2017</a:t>
+              <a:t>4/12/17</a:t>
             </a:fld>
             <a:endParaRPr lang="en-US" dirty="0"/>
           </a:p>
@@ -1671,7 +1682,7 @@
   </p:clrMapOvr>
   <p:extLst mod="1">
     <p:ext uri="{DCECCB84-F9BA-43D5-87BE-67443E8EF086}">
-      <p15:sldGuideLst xmlns:p15="http://schemas.microsoft.com/office/powerpoint/2012/main" xmlns=""/>
+      <p15:sldGuideLst xmlns:p15="http://schemas.microsoft.com/office/powerpoint/2012/main"/>
     </p:ext>
   </p:extLst>
 </p:sldLayout>
@@ -1734,7 +1745,7 @@
           <a:p>
             <a:fld id="{10B90D90-AA62-404D-A741-635B4370F9CB}" type="datetimeFigureOut">
               <a:rPr lang="en-US" smtClean="0"/>
-              <a:t>4/12/2017</a:t>
+              <a:t>4/12/17</a:t>
             </a:fld>
             <a:endParaRPr lang="en-US" dirty="0"/>
           </a:p>
@@ -1824,7 +1835,7 @@
           <a:p>
             <a:fld id="{A57002E4-6836-46D1-9DBB-3C27C0DD3A89}" type="datetimeFigureOut">
               <a:rPr lang="en-US" smtClean="0"/>
-              <a:t>4/12/2017</a:t>
+              <a:t>4/12/17</a:t>
             </a:fld>
             <a:endParaRPr lang="en-US" dirty="0"/>
           </a:p>
@@ -1879,7 +1890,7 @@
   </p:clrMapOvr>
   <p:extLst mod="1">
     <p:ext uri="{DCECCB84-F9BA-43D5-87BE-67443E8EF086}">
-      <p15:sldGuideLst xmlns:p15="http://schemas.microsoft.com/office/powerpoint/2012/main" xmlns=""/>
+      <p15:sldGuideLst xmlns:p15="http://schemas.microsoft.com/office/powerpoint/2012/main"/>
     </p:ext>
   </p:extLst>
 </p:sldLayout>
@@ -2101,7 +2112,7 @@
           <a:p>
             <a:fld id="{1CF131DD-A141-4471-BCF9-C6073EDD7E20}" type="datetimeFigureOut">
               <a:rPr lang="en-US" smtClean="0"/>
-              <a:t>4/12/2017</a:t>
+              <a:t>4/12/17</a:t>
             </a:fld>
             <a:endParaRPr lang="en-US" dirty="0"/>
           </a:p>
@@ -2157,7 +2168,7 @@
   </p:clrMapOvr>
   <p:extLst mod="1">
     <p:ext uri="{DCECCB84-F9BA-43D5-87BE-67443E8EF086}">
-      <p15:sldGuideLst xmlns:p15="http://schemas.microsoft.com/office/powerpoint/2012/main" xmlns=""/>
+      <p15:sldGuideLst xmlns:p15="http://schemas.microsoft.com/office/powerpoint/2012/main"/>
     </p:ext>
   </p:extLst>
 </p:sldLayout>
@@ -2355,7 +2366,7 @@
           <a:p>
             <a:fld id="{AB334A90-EB03-42F3-8859-2C2B2724C058}" type="datetimeFigureOut">
               <a:rPr lang="en-US" smtClean="0"/>
-              <a:t>4/12/2017</a:t>
+              <a:t>4/12/17</a:t>
             </a:fld>
             <a:endParaRPr lang="en-US" dirty="0"/>
           </a:p>
@@ -2573,7 +2584,7 @@
           <a:p>
             <a:fld id="{CBC48EC7-AF6A-48D3-8284-14BACBEBDD84}" type="datetimeFigureOut">
               <a:rPr lang="en-US" smtClean="0"/>
-              <a:t>4/12/2017</a:t>
+              <a:t>4/12/17</a:t>
             </a:fld>
             <a:endParaRPr lang="en-US" dirty="0"/>
           </a:p>
@@ -2962,7 +2973,7 @@
   </p:txStyles>
   <p:extLst mod="1">
     <p:ext uri="{27BBF7A9-308A-43DC-89C8-2F10F3537804}">
-      <p15:sldGuideLst xmlns:p15="http://schemas.microsoft.com/office/powerpoint/2012/main" xmlns=""/>
+      <p15:sldGuideLst xmlns:p15="http://schemas.microsoft.com/office/powerpoint/2012/main"/>
     </p:ext>
   </p:extLst>
 </p:sldMaster>
@@ -3218,8 +3229,9 @@
             </a:r>
             <a:r>
               <a:rPr lang="en-GB" dirty="0" smtClean="0"/>
-              <a:t>-pull</a:t>
-            </a:r>
+              <a:t>-pull – syncs a server with a repository</a:t>
+            </a:r>
+            <a:endParaRPr lang="en-GB" dirty="0" smtClean="0"/>
           </a:p>
           <a:p>
             <a:r>
@@ -3228,8 +3240,27 @@
             </a:r>
             <a:r>
               <a:rPr lang="en-GB" dirty="0" smtClean="0"/>
-              <a:t> tower</a:t>
-            </a:r>
+              <a:t> </a:t>
+            </a:r>
+            <a:r>
+              <a:rPr lang="en-GB" dirty="0" smtClean="0"/>
+              <a:t>tower – enterprise management tool</a:t>
+            </a:r>
+          </a:p>
+          <a:p>
+            <a:r>
+              <a:rPr lang="en-GB" dirty="0" smtClean="0"/>
+              <a:t>Symphony use – Hoping to use </a:t>
+            </a:r>
+            <a:r>
+              <a:rPr lang="en-GB" dirty="0" err="1" smtClean="0"/>
+              <a:t>Ansible</a:t>
+            </a:r>
+            <a:r>
+              <a:rPr lang="en-GB" smtClean="0"/>
+              <a:t> with it</a:t>
+            </a:r>
+            <a:endParaRPr lang="en-GB" dirty="0" smtClean="0"/>
           </a:p>
           <a:p>
             <a:endParaRPr lang="en-GB" dirty="0" smtClean="0"/>
@@ -4656,7 +4687,7 @@
   <a:extraClrSchemeLst/>
   <a:extLst>
     <a:ext uri="{05A4C25C-085E-4340-85A3-A5531E510DB2}">
-      <thm15:themeFamily xmlns:thm15="http://schemas.microsoft.com/office/thememl/2012/main" xmlns="" name="Office Theme" id="{62F939B6-93AF-4DB8-9C6B-D6C7DFDC589F}" vid="{4A3C46E8-61CC-4603-A589-7422A47A8E4A}"/>
+      <thm15:themeFamily xmlns:thm15="http://schemas.microsoft.com/office/thememl/2012/main" name="Office Theme" id="{62F939B6-93AF-4DB8-9C6B-D6C7DFDC589F}" vid="{4A3C46E8-61CC-4603-A589-7422A47A8E4A}"/>
     </a:ext>
   </a:extLst>
 </a:theme>
